--- a/ClassNotes/build_systems.pptx
+++ b/ClassNotes/build_systems.pptx
@@ -9,6 +9,7 @@
     <p:sldId id="257" r:id="rId3"/>
     <p:sldId id="258" r:id="rId4"/>
     <p:sldId id="259" r:id="rId5"/>
+    <p:sldId id="260" r:id="rId6"/>
   </p:sldIdLst>
   <p:sldSz cx="12192000" cy="6858000"/>
   <p:notesSz cx="6858000" cy="9144000"/>
@@ -107,6 +108,11 @@
       </a:defRPr>
     </a:lvl9pPr>
   </p:defaultTextStyle>
+  <p:extLst>
+    <p:ext uri="{EFAFB233-063F-42B5-8137-9DF3F51BA10A}">
+      <p15:sldGuideLst xmlns:p15="http://schemas.microsoft.com/office/powerpoint/2012/main"/>
+    </p:ext>
+  </p:extLst>
 </p:presentation>
 </file>
 
@@ -257,7 +263,7 @@
           <a:p>
             <a:fld id="{312D581D-462E-41BD-AE6F-64A14DE42532}" type="datetimeFigureOut">
               <a:rPr lang="en-GB" smtClean="0"/>
-              <a:t>18/06/2025</a:t>
+              <a:t>04/07/2025</a:t>
             </a:fld>
             <a:endParaRPr lang="en-GB"/>
           </a:p>
@@ -455,7 +461,7 @@
           <a:p>
             <a:fld id="{312D581D-462E-41BD-AE6F-64A14DE42532}" type="datetimeFigureOut">
               <a:rPr lang="en-GB" smtClean="0"/>
-              <a:t>18/06/2025</a:t>
+              <a:t>04/07/2025</a:t>
             </a:fld>
             <a:endParaRPr lang="en-GB"/>
           </a:p>
@@ -663,7 +669,7 @@
           <a:p>
             <a:fld id="{312D581D-462E-41BD-AE6F-64A14DE42532}" type="datetimeFigureOut">
               <a:rPr lang="en-GB" smtClean="0"/>
-              <a:t>18/06/2025</a:t>
+              <a:t>04/07/2025</a:t>
             </a:fld>
             <a:endParaRPr lang="en-GB"/>
           </a:p>
@@ -861,7 +867,7 @@
           <a:p>
             <a:fld id="{312D581D-462E-41BD-AE6F-64A14DE42532}" type="datetimeFigureOut">
               <a:rPr lang="en-GB" smtClean="0"/>
-              <a:t>18/06/2025</a:t>
+              <a:t>04/07/2025</a:t>
             </a:fld>
             <a:endParaRPr lang="en-GB"/>
           </a:p>
@@ -1136,7 +1142,7 @@
           <a:p>
             <a:fld id="{312D581D-462E-41BD-AE6F-64A14DE42532}" type="datetimeFigureOut">
               <a:rPr lang="en-GB" smtClean="0"/>
-              <a:t>18/06/2025</a:t>
+              <a:t>04/07/2025</a:t>
             </a:fld>
             <a:endParaRPr lang="en-GB"/>
           </a:p>
@@ -1401,7 +1407,7 @@
           <a:p>
             <a:fld id="{312D581D-462E-41BD-AE6F-64A14DE42532}" type="datetimeFigureOut">
               <a:rPr lang="en-GB" smtClean="0"/>
-              <a:t>18/06/2025</a:t>
+              <a:t>04/07/2025</a:t>
             </a:fld>
             <a:endParaRPr lang="en-GB"/>
           </a:p>
@@ -1813,7 +1819,7 @@
           <a:p>
             <a:fld id="{312D581D-462E-41BD-AE6F-64A14DE42532}" type="datetimeFigureOut">
               <a:rPr lang="en-GB" smtClean="0"/>
-              <a:t>18/06/2025</a:t>
+              <a:t>04/07/2025</a:t>
             </a:fld>
             <a:endParaRPr lang="en-GB"/>
           </a:p>
@@ -1954,7 +1960,7 @@
           <a:p>
             <a:fld id="{312D581D-462E-41BD-AE6F-64A14DE42532}" type="datetimeFigureOut">
               <a:rPr lang="en-GB" smtClean="0"/>
-              <a:t>18/06/2025</a:t>
+              <a:t>04/07/2025</a:t>
             </a:fld>
             <a:endParaRPr lang="en-GB"/>
           </a:p>
@@ -2067,7 +2073,7 @@
           <a:p>
             <a:fld id="{312D581D-462E-41BD-AE6F-64A14DE42532}" type="datetimeFigureOut">
               <a:rPr lang="en-GB" smtClean="0"/>
-              <a:t>18/06/2025</a:t>
+              <a:t>04/07/2025</a:t>
             </a:fld>
             <a:endParaRPr lang="en-GB"/>
           </a:p>
@@ -2378,7 +2384,7 @@
           <a:p>
             <a:fld id="{312D581D-462E-41BD-AE6F-64A14DE42532}" type="datetimeFigureOut">
               <a:rPr lang="en-GB" smtClean="0"/>
-              <a:t>18/06/2025</a:t>
+              <a:t>04/07/2025</a:t>
             </a:fld>
             <a:endParaRPr lang="en-GB"/>
           </a:p>
@@ -2666,7 +2672,7 @@
           <a:p>
             <a:fld id="{312D581D-462E-41BD-AE6F-64A14DE42532}" type="datetimeFigureOut">
               <a:rPr lang="en-GB" smtClean="0"/>
-              <a:t>18/06/2025</a:t>
+              <a:t>04/07/2025</a:t>
             </a:fld>
             <a:endParaRPr lang="en-GB"/>
           </a:p>
@@ -2907,7 +2913,7 @@
           <a:p>
             <a:fld id="{312D581D-462E-41BD-AE6F-64A14DE42532}" type="datetimeFigureOut">
               <a:rPr lang="en-GB" smtClean="0"/>
-              <a:t>18/06/2025</a:t>
+              <a:t>04/07/2025</a:t>
             </a:fld>
             <a:endParaRPr lang="en-GB"/>
           </a:p>
@@ -5250,6 +5256,1087 @@
     <p:extLst>
       <p:ext uri="{BB962C8B-B14F-4D97-AF65-F5344CB8AC3E}">
         <p14:creationId xmlns:p14="http://schemas.microsoft.com/office/powerpoint/2010/main" val="393008919"/>
+      </p:ext>
+    </p:extLst>
+  </p:cSld>
+  <p:clrMapOvr>
+    <a:masterClrMapping/>
+  </p:clrMapOvr>
+</p:sld>
+</file>
+
+<file path=ppt/slides/slide5.xml><?xml version="1.0" encoding="utf-8"?>
+<p:sld xmlns:a="http://schemas.openxmlformats.org/drawingml/2006/main" xmlns:r="http://schemas.openxmlformats.org/officeDocument/2006/relationships" xmlns:p="http://schemas.openxmlformats.org/presentationml/2006/main">
+  <p:cSld>
+    <p:spTree>
+      <p:nvGrpSpPr>
+        <p:cNvPr id="1" name="">
+          <a:extLst>
+            <a:ext uri="{FF2B5EF4-FFF2-40B4-BE49-F238E27FC236}">
+              <a16:creationId xmlns:a16="http://schemas.microsoft.com/office/drawing/2014/main" id="{4D1077FF-F11B-18A1-B3A0-DF353688DDC6}"/>
+            </a:ext>
+          </a:extLst>
+        </p:cNvPr>
+        <p:cNvGrpSpPr/>
+        <p:nvPr/>
+      </p:nvGrpSpPr>
+      <p:grpSpPr>
+        <a:xfrm>
+          <a:off x="0" y="0"/>
+          <a:ext cx="0" cy="0"/>
+          <a:chOff x="0" y="0"/>
+          <a:chExt cx="0" cy="0"/>
+        </a:xfrm>
+      </p:grpSpPr>
+      <p:sp>
+        <p:nvSpPr>
+          <p:cNvPr id="23" name="TextBox 22">
+            <a:extLst>
+              <a:ext uri="{FF2B5EF4-FFF2-40B4-BE49-F238E27FC236}">
+                <a16:creationId xmlns:a16="http://schemas.microsoft.com/office/drawing/2014/main" id="{35A7D9B8-276D-4F15-DD9F-B8311012C3AF}"/>
+              </a:ext>
+            </a:extLst>
+          </p:cNvPr>
+          <p:cNvSpPr txBox="1"/>
+          <p:nvPr/>
+        </p:nvSpPr>
+        <p:spPr>
+          <a:xfrm>
+            <a:off x="4619135" y="329938"/>
+            <a:ext cx="7136090" cy="3233816"/>
+          </a:xfrm>
+          <a:prstGeom prst="rect">
+            <a:avLst/>
+          </a:prstGeom>
+          <a:noFill/>
+          <a:ln>
+            <a:solidFill>
+              <a:schemeClr val="accent1"/>
+            </a:solidFill>
+          </a:ln>
+        </p:spPr>
+        <p:txBody>
+          <a:bodyPr wrap="square" rtlCol="0">
+            <a:spAutoFit/>
+          </a:bodyPr>
+          <a:lstStyle/>
+          <a:p>
+            <a:endParaRPr lang="en-GB" dirty="0"/>
+          </a:p>
+        </p:txBody>
+      </p:sp>
+      <p:sp>
+        <p:nvSpPr>
+          <p:cNvPr id="4" name="TextBox 3">
+            <a:extLst>
+              <a:ext uri="{FF2B5EF4-FFF2-40B4-BE49-F238E27FC236}">
+                <a16:creationId xmlns:a16="http://schemas.microsoft.com/office/drawing/2014/main" id="{3BA4DB39-1180-2314-44A7-7130CB0F7D3C}"/>
+              </a:ext>
+            </a:extLst>
+          </p:cNvPr>
+          <p:cNvSpPr txBox="1"/>
+          <p:nvPr/>
+        </p:nvSpPr>
+        <p:spPr>
+          <a:xfrm>
+            <a:off x="1046375" y="716437"/>
+            <a:ext cx="1847654" cy="369332"/>
+          </a:xfrm>
+          <a:prstGeom prst="rect">
+            <a:avLst/>
+          </a:prstGeom>
+          <a:noFill/>
+          <a:ln>
+            <a:solidFill>
+              <a:schemeClr val="accent5">
+                <a:lumMod val="60000"/>
+                <a:lumOff val="40000"/>
+              </a:schemeClr>
+            </a:solidFill>
+          </a:ln>
+        </p:spPr>
+        <p:txBody>
+          <a:bodyPr wrap="square" rtlCol="0">
+            <a:spAutoFit/>
+          </a:bodyPr>
+          <a:lstStyle/>
+          <a:p>
+            <a:r>
+              <a:rPr lang="en-GB" dirty="0"/>
+              <a:t>C# source</a:t>
+            </a:r>
+          </a:p>
+        </p:txBody>
+      </p:sp>
+      <p:sp>
+        <p:nvSpPr>
+          <p:cNvPr id="5" name="TextBox 4">
+            <a:extLst>
+              <a:ext uri="{FF2B5EF4-FFF2-40B4-BE49-F238E27FC236}">
+                <a16:creationId xmlns:a16="http://schemas.microsoft.com/office/drawing/2014/main" id="{86FA18A7-A8BD-AA5D-F890-087184DCB226}"/>
+              </a:ext>
+            </a:extLst>
+          </p:cNvPr>
+          <p:cNvSpPr txBox="1"/>
+          <p:nvPr/>
+        </p:nvSpPr>
+        <p:spPr>
+          <a:xfrm>
+            <a:off x="9607484" y="716437"/>
+            <a:ext cx="1847654" cy="369332"/>
+          </a:xfrm>
+          <a:prstGeom prst="rect">
+            <a:avLst/>
+          </a:prstGeom>
+          <a:noFill/>
+          <a:ln>
+            <a:solidFill>
+              <a:schemeClr val="accent5">
+                <a:lumMod val="60000"/>
+                <a:lumOff val="40000"/>
+              </a:schemeClr>
+            </a:solidFill>
+          </a:ln>
+        </p:spPr>
+        <p:txBody>
+          <a:bodyPr wrap="square" rtlCol="0">
+            <a:spAutoFit/>
+          </a:bodyPr>
+          <a:lstStyle/>
+          <a:p>
+            <a:r>
+              <a:rPr lang="en-GB" dirty="0"/>
+              <a:t>EXE</a:t>
+            </a:r>
+          </a:p>
+        </p:txBody>
+      </p:sp>
+      <p:sp>
+        <p:nvSpPr>
+          <p:cNvPr id="6" name="TextBox 5">
+            <a:extLst>
+              <a:ext uri="{FF2B5EF4-FFF2-40B4-BE49-F238E27FC236}">
+                <a16:creationId xmlns:a16="http://schemas.microsoft.com/office/drawing/2014/main" id="{54A936E6-DC6F-875A-A4AB-F150488F6EB9}"/>
+              </a:ext>
+            </a:extLst>
+          </p:cNvPr>
+          <p:cNvSpPr txBox="1"/>
+          <p:nvPr/>
+        </p:nvSpPr>
+        <p:spPr>
+          <a:xfrm>
+            <a:off x="4817097" y="801278"/>
+            <a:ext cx="2658359" cy="1477328"/>
+          </a:xfrm>
+          <a:prstGeom prst="rect">
+            <a:avLst/>
+          </a:prstGeom>
+          <a:noFill/>
+          <a:ln>
+            <a:solidFill>
+              <a:schemeClr val="accent1"/>
+            </a:solidFill>
+          </a:ln>
+        </p:spPr>
+        <p:txBody>
+          <a:bodyPr wrap="square" rtlCol="0">
+            <a:spAutoFit/>
+          </a:bodyPr>
+          <a:lstStyle/>
+          <a:p>
+            <a:r>
+              <a:rPr lang="en-GB" dirty="0"/>
+              <a:t>Intermediate Language</a:t>
+            </a:r>
+          </a:p>
+          <a:p>
+            <a:r>
+              <a:rPr lang="en-GB" dirty="0"/>
+              <a:t>IL</a:t>
+            </a:r>
+          </a:p>
+          <a:p>
+            <a:endParaRPr lang="en-GB" dirty="0"/>
+          </a:p>
+          <a:p>
+            <a:r>
+              <a:rPr lang="en-GB" dirty="0"/>
+              <a:t>Machine independent. But low level instructions</a:t>
+            </a:r>
+          </a:p>
+        </p:txBody>
+      </p:sp>
+      <p:cxnSp>
+        <p:nvCxnSpPr>
+          <p:cNvPr id="8" name="Straight Arrow Connector 7">
+            <a:extLst>
+              <a:ext uri="{FF2B5EF4-FFF2-40B4-BE49-F238E27FC236}">
+                <a16:creationId xmlns:a16="http://schemas.microsoft.com/office/drawing/2014/main" id="{8B8F7394-08B0-8A05-0B39-43FA8D5FB2C8}"/>
+              </a:ext>
+            </a:extLst>
+          </p:cNvPr>
+          <p:cNvCxnSpPr>
+            <a:cxnSpLocks/>
+            <a:stCxn id="4" idx="3"/>
+            <a:endCxn id="6" idx="1"/>
+          </p:cNvCxnSpPr>
+          <p:nvPr/>
+        </p:nvCxnSpPr>
+        <p:spPr>
+          <a:xfrm>
+            <a:off x="2894029" y="901103"/>
+            <a:ext cx="1923068" cy="638839"/>
+          </a:xfrm>
+          <a:prstGeom prst="straightConnector1">
+            <a:avLst/>
+          </a:prstGeom>
+          <a:ln>
+            <a:tailEnd type="triangle"/>
+          </a:ln>
+        </p:spPr>
+        <p:style>
+          <a:lnRef idx="2">
+            <a:schemeClr val="accent1"/>
+          </a:lnRef>
+          <a:fillRef idx="0">
+            <a:schemeClr val="accent1"/>
+          </a:fillRef>
+          <a:effectRef idx="1">
+            <a:schemeClr val="accent1"/>
+          </a:effectRef>
+          <a:fontRef idx="minor">
+            <a:schemeClr val="tx1"/>
+          </a:fontRef>
+        </p:style>
+      </p:cxnSp>
+      <p:cxnSp>
+        <p:nvCxnSpPr>
+          <p:cNvPr id="12" name="Straight Arrow Connector 11">
+            <a:extLst>
+              <a:ext uri="{FF2B5EF4-FFF2-40B4-BE49-F238E27FC236}">
+                <a16:creationId xmlns:a16="http://schemas.microsoft.com/office/drawing/2014/main" id="{58AB10E9-809D-9C28-FBBE-58AD4C6009D8}"/>
+              </a:ext>
+            </a:extLst>
+          </p:cNvPr>
+          <p:cNvCxnSpPr>
+            <a:cxnSpLocks/>
+            <a:stCxn id="6" idx="3"/>
+            <a:endCxn id="5" idx="1"/>
+          </p:cNvCxnSpPr>
+          <p:nvPr/>
+        </p:nvCxnSpPr>
+        <p:spPr>
+          <a:xfrm flipV="1">
+            <a:off x="7475456" y="901103"/>
+            <a:ext cx="2132028" cy="638839"/>
+          </a:xfrm>
+          <a:prstGeom prst="straightConnector1">
+            <a:avLst/>
+          </a:prstGeom>
+          <a:ln>
+            <a:tailEnd type="triangle"/>
+          </a:ln>
+        </p:spPr>
+        <p:style>
+          <a:lnRef idx="2">
+            <a:schemeClr val="accent1"/>
+          </a:lnRef>
+          <a:fillRef idx="0">
+            <a:schemeClr val="accent1"/>
+          </a:fillRef>
+          <a:effectRef idx="1">
+            <a:schemeClr val="accent1"/>
+          </a:effectRef>
+          <a:fontRef idx="minor">
+            <a:schemeClr val="tx1"/>
+          </a:fontRef>
+        </p:style>
+      </p:cxnSp>
+      <p:sp>
+        <p:nvSpPr>
+          <p:cNvPr id="15" name="TextBox 14">
+            <a:extLst>
+              <a:ext uri="{FF2B5EF4-FFF2-40B4-BE49-F238E27FC236}">
+                <a16:creationId xmlns:a16="http://schemas.microsoft.com/office/drawing/2014/main" id="{9ECC7EB7-9538-262B-97F0-B50F635A014C}"/>
+              </a:ext>
+            </a:extLst>
+          </p:cNvPr>
+          <p:cNvSpPr txBox="1"/>
+          <p:nvPr/>
+        </p:nvSpPr>
+        <p:spPr>
+          <a:xfrm>
+            <a:off x="3384223" y="1319753"/>
+            <a:ext cx="1034257" cy="646331"/>
+          </a:xfrm>
+          <a:prstGeom prst="rect">
+            <a:avLst/>
+          </a:prstGeom>
+          <a:noFill/>
+        </p:spPr>
+        <p:txBody>
+          <a:bodyPr wrap="none" rtlCol="0">
+            <a:spAutoFit/>
+          </a:bodyPr>
+          <a:lstStyle/>
+          <a:p>
+            <a:r>
+              <a:rPr lang="en-GB" dirty="0"/>
+              <a:t>Compile</a:t>
+            </a:r>
+          </a:p>
+          <a:p>
+            <a:r>
+              <a:rPr lang="en-GB" dirty="0"/>
+              <a:t>csc</a:t>
+            </a:r>
+          </a:p>
+        </p:txBody>
+      </p:sp>
+      <p:sp>
+        <p:nvSpPr>
+          <p:cNvPr id="16" name="TextBox 15">
+            <a:extLst>
+              <a:ext uri="{FF2B5EF4-FFF2-40B4-BE49-F238E27FC236}">
+                <a16:creationId xmlns:a16="http://schemas.microsoft.com/office/drawing/2014/main" id="{62BBD69A-7353-84D0-9FE9-106E87EA3EB7}"/>
+              </a:ext>
+            </a:extLst>
+          </p:cNvPr>
+          <p:cNvSpPr txBox="1"/>
+          <p:nvPr/>
+        </p:nvSpPr>
+        <p:spPr>
+          <a:xfrm>
+            <a:off x="923826" y="2278109"/>
+            <a:ext cx="1847654" cy="369332"/>
+          </a:xfrm>
+          <a:prstGeom prst="rect">
+            <a:avLst/>
+          </a:prstGeom>
+          <a:noFill/>
+          <a:ln>
+            <a:solidFill>
+              <a:schemeClr val="accent5">
+                <a:lumMod val="60000"/>
+                <a:lumOff val="40000"/>
+              </a:schemeClr>
+            </a:solidFill>
+          </a:ln>
+        </p:spPr>
+        <p:txBody>
+          <a:bodyPr wrap="square" rtlCol="0">
+            <a:spAutoFit/>
+          </a:bodyPr>
+          <a:lstStyle/>
+          <a:p>
+            <a:r>
+              <a:rPr lang="en-GB" dirty="0"/>
+              <a:t>C# source</a:t>
+            </a:r>
+          </a:p>
+        </p:txBody>
+      </p:sp>
+      <p:cxnSp>
+        <p:nvCxnSpPr>
+          <p:cNvPr id="18" name="Straight Arrow Connector 17">
+            <a:extLst>
+              <a:ext uri="{FF2B5EF4-FFF2-40B4-BE49-F238E27FC236}">
+                <a16:creationId xmlns:a16="http://schemas.microsoft.com/office/drawing/2014/main" id="{40407283-53BB-70CC-344C-C5AF62262CC0}"/>
+              </a:ext>
+            </a:extLst>
+          </p:cNvPr>
+          <p:cNvCxnSpPr>
+            <a:cxnSpLocks/>
+            <a:stCxn id="16" idx="3"/>
+            <a:endCxn id="6" idx="1"/>
+          </p:cNvCxnSpPr>
+          <p:nvPr/>
+        </p:nvCxnSpPr>
+        <p:spPr>
+          <a:xfrm flipV="1">
+            <a:off x="2771480" y="1539942"/>
+            <a:ext cx="2045617" cy="922833"/>
+          </a:xfrm>
+          <a:prstGeom prst="straightConnector1">
+            <a:avLst/>
+          </a:prstGeom>
+          <a:ln>
+            <a:tailEnd type="triangle"/>
+          </a:ln>
+        </p:spPr>
+        <p:style>
+          <a:lnRef idx="2">
+            <a:schemeClr val="accent1"/>
+          </a:lnRef>
+          <a:fillRef idx="0">
+            <a:schemeClr val="accent1"/>
+          </a:fillRef>
+          <a:effectRef idx="1">
+            <a:schemeClr val="accent1"/>
+          </a:effectRef>
+          <a:fontRef idx="minor">
+            <a:schemeClr val="tx1"/>
+          </a:fontRef>
+        </p:style>
+      </p:cxnSp>
+      <p:sp>
+        <p:nvSpPr>
+          <p:cNvPr id="21" name="TextBox 20">
+            <a:extLst>
+              <a:ext uri="{FF2B5EF4-FFF2-40B4-BE49-F238E27FC236}">
+                <a16:creationId xmlns:a16="http://schemas.microsoft.com/office/drawing/2014/main" id="{80ADECD2-32B7-3411-9521-E6C8084A1628}"/>
+              </a:ext>
+            </a:extLst>
+          </p:cNvPr>
+          <p:cNvSpPr txBox="1"/>
+          <p:nvPr/>
+        </p:nvSpPr>
+        <p:spPr>
+          <a:xfrm>
+            <a:off x="8576255" y="3836068"/>
+            <a:ext cx="1160831" cy="923330"/>
+          </a:xfrm>
+          <a:prstGeom prst="rect">
+            <a:avLst/>
+          </a:prstGeom>
+          <a:noFill/>
+        </p:spPr>
+        <p:txBody>
+          <a:bodyPr wrap="none" rtlCol="0">
+            <a:spAutoFit/>
+          </a:bodyPr>
+          <a:lstStyle/>
+          <a:p>
+            <a:r>
+              <a:rPr lang="en-GB" dirty="0"/>
+              <a:t>Assembly</a:t>
+            </a:r>
+          </a:p>
+          <a:p>
+            <a:r>
+              <a:rPr lang="en-GB" dirty="0"/>
+              <a:t>.exe</a:t>
+            </a:r>
+          </a:p>
+          <a:p>
+            <a:r>
+              <a:rPr lang="en-GB" dirty="0"/>
+              <a:t>.</a:t>
+            </a:r>
+            <a:r>
+              <a:rPr lang="en-GB" dirty="0" err="1"/>
+              <a:t>dll</a:t>
+            </a:r>
+            <a:endParaRPr lang="en-GB" dirty="0"/>
+          </a:p>
+        </p:txBody>
+      </p:sp>
+      <p:sp>
+        <p:nvSpPr>
+          <p:cNvPr id="22" name="TextBox 21">
+            <a:extLst>
+              <a:ext uri="{FF2B5EF4-FFF2-40B4-BE49-F238E27FC236}">
+                <a16:creationId xmlns:a16="http://schemas.microsoft.com/office/drawing/2014/main" id="{2F497810-52ED-7A4B-FCF9-B6BAA533ABC2}"/>
+              </a:ext>
+            </a:extLst>
+          </p:cNvPr>
+          <p:cNvSpPr txBox="1"/>
+          <p:nvPr/>
+        </p:nvSpPr>
+        <p:spPr>
+          <a:xfrm>
+            <a:off x="7862481" y="1457857"/>
+            <a:ext cx="2870979" cy="1477328"/>
+          </a:xfrm>
+          <a:prstGeom prst="rect">
+            <a:avLst/>
+          </a:prstGeom>
+          <a:noFill/>
+        </p:spPr>
+        <p:txBody>
+          <a:bodyPr wrap="none" rtlCol="0">
+            <a:spAutoFit/>
+          </a:bodyPr>
+          <a:lstStyle/>
+          <a:p>
+            <a:r>
+              <a:rPr lang="en-GB" dirty="0"/>
+              <a:t>Run</a:t>
+            </a:r>
+          </a:p>
+          <a:p>
+            <a:r>
+              <a:rPr lang="en-GB" dirty="0"/>
+              <a:t>JIT compile</a:t>
+            </a:r>
+          </a:p>
+          <a:p>
+            <a:r>
+              <a:rPr lang="en-GB" dirty="0"/>
+              <a:t>(generates machine code</a:t>
+            </a:r>
+          </a:p>
+          <a:p>
+            <a:r>
+              <a:rPr lang="en-GB" dirty="0"/>
+              <a:t>For the CPU we are running</a:t>
+            </a:r>
+          </a:p>
+          <a:p>
+            <a:r>
+              <a:rPr lang="en-GB" dirty="0"/>
+              <a:t>On)</a:t>
+            </a:r>
+          </a:p>
+        </p:txBody>
+      </p:sp>
+      <p:sp>
+        <p:nvSpPr>
+          <p:cNvPr id="2" name="TextBox 1">
+            <a:extLst>
+              <a:ext uri="{FF2B5EF4-FFF2-40B4-BE49-F238E27FC236}">
+                <a16:creationId xmlns:a16="http://schemas.microsoft.com/office/drawing/2014/main" id="{C583FB2C-CB95-8559-23E0-5F84DF7FA72E}"/>
+              </a:ext>
+            </a:extLst>
+          </p:cNvPr>
+          <p:cNvSpPr txBox="1"/>
+          <p:nvPr/>
+        </p:nvSpPr>
+        <p:spPr>
+          <a:xfrm>
+            <a:off x="2645516" y="4891916"/>
+            <a:ext cx="1847654" cy="646331"/>
+          </a:xfrm>
+          <a:prstGeom prst="rect">
+            <a:avLst/>
+          </a:prstGeom>
+          <a:noFill/>
+          <a:ln>
+            <a:solidFill>
+              <a:schemeClr val="accent5">
+                <a:lumMod val="60000"/>
+                <a:lumOff val="40000"/>
+              </a:schemeClr>
+            </a:solidFill>
+          </a:ln>
+        </p:spPr>
+        <p:txBody>
+          <a:bodyPr wrap="square" rtlCol="0">
+            <a:spAutoFit/>
+          </a:bodyPr>
+          <a:lstStyle/>
+          <a:p>
+            <a:r>
+              <a:rPr lang="en-GB" dirty="0"/>
+              <a:t>C# source</a:t>
+            </a:r>
+          </a:p>
+          <a:p>
+            <a:r>
+              <a:rPr lang="en-GB" dirty="0"/>
+              <a:t>*.</a:t>
+            </a:r>
+            <a:r>
+              <a:rPr lang="en-GB" dirty="0" err="1"/>
+              <a:t>g.i.cs</a:t>
+            </a:r>
+            <a:endParaRPr lang="en-GB" dirty="0"/>
+          </a:p>
+        </p:txBody>
+      </p:sp>
+      <p:sp>
+        <p:nvSpPr>
+          <p:cNvPr id="3" name="TextBox 2">
+            <a:extLst>
+              <a:ext uri="{FF2B5EF4-FFF2-40B4-BE49-F238E27FC236}">
+                <a16:creationId xmlns:a16="http://schemas.microsoft.com/office/drawing/2014/main" id="{29720821-6AF4-D15D-95F8-CA1D7FF1DAFF}"/>
+              </a:ext>
+            </a:extLst>
+          </p:cNvPr>
+          <p:cNvSpPr txBox="1"/>
+          <p:nvPr/>
+        </p:nvSpPr>
+        <p:spPr>
+          <a:xfrm>
+            <a:off x="3384223" y="2701922"/>
+            <a:ext cx="1847654" cy="646331"/>
+          </a:xfrm>
+          <a:prstGeom prst="rect">
+            <a:avLst/>
+          </a:prstGeom>
+          <a:noFill/>
+          <a:ln>
+            <a:solidFill>
+              <a:schemeClr val="accent5">
+                <a:lumMod val="60000"/>
+                <a:lumOff val="40000"/>
+              </a:schemeClr>
+            </a:solidFill>
+          </a:ln>
+        </p:spPr>
+        <p:txBody>
+          <a:bodyPr wrap="square" rtlCol="0">
+            <a:spAutoFit/>
+          </a:bodyPr>
+          <a:lstStyle/>
+          <a:p>
+            <a:r>
+              <a:rPr lang="en-GB" dirty="0"/>
+              <a:t>C# source</a:t>
+            </a:r>
+          </a:p>
+          <a:p>
+            <a:r>
+              <a:rPr lang="en-GB" dirty="0"/>
+              <a:t>*.</a:t>
+            </a:r>
+            <a:r>
+              <a:rPr lang="en-GB" dirty="0" err="1"/>
+              <a:t>g.cs</a:t>
+            </a:r>
+            <a:endParaRPr lang="en-GB" dirty="0"/>
+          </a:p>
+        </p:txBody>
+      </p:sp>
+      <p:cxnSp>
+        <p:nvCxnSpPr>
+          <p:cNvPr id="7" name="Straight Arrow Connector 6">
+            <a:extLst>
+              <a:ext uri="{FF2B5EF4-FFF2-40B4-BE49-F238E27FC236}">
+                <a16:creationId xmlns:a16="http://schemas.microsoft.com/office/drawing/2014/main" id="{1D8D48EF-DD59-2E13-E2C7-BF3537989A5A}"/>
+              </a:ext>
+            </a:extLst>
+          </p:cNvPr>
+          <p:cNvCxnSpPr>
+            <a:cxnSpLocks/>
+            <a:stCxn id="3" idx="0"/>
+            <a:endCxn id="6" idx="1"/>
+          </p:cNvCxnSpPr>
+          <p:nvPr/>
+        </p:nvCxnSpPr>
+        <p:spPr>
+          <a:xfrm flipV="1">
+            <a:off x="4308050" y="1539942"/>
+            <a:ext cx="509047" cy="1161980"/>
+          </a:xfrm>
+          <a:prstGeom prst="straightConnector1">
+            <a:avLst/>
+          </a:prstGeom>
+          <a:ln>
+            <a:tailEnd type="triangle"/>
+          </a:ln>
+        </p:spPr>
+        <p:style>
+          <a:lnRef idx="2">
+            <a:schemeClr val="accent1"/>
+          </a:lnRef>
+          <a:fillRef idx="0">
+            <a:schemeClr val="accent1"/>
+          </a:fillRef>
+          <a:effectRef idx="1">
+            <a:schemeClr val="accent1"/>
+          </a:effectRef>
+          <a:fontRef idx="minor">
+            <a:schemeClr val="tx1"/>
+          </a:fontRef>
+        </p:style>
+      </p:cxnSp>
+      <p:sp>
+        <p:nvSpPr>
+          <p:cNvPr id="11" name="TextBox 10">
+            <a:extLst>
+              <a:ext uri="{FF2B5EF4-FFF2-40B4-BE49-F238E27FC236}">
+                <a16:creationId xmlns:a16="http://schemas.microsoft.com/office/drawing/2014/main" id="{1C6358A7-9D6F-716A-CA89-00B9B6428AF7}"/>
+              </a:ext>
+            </a:extLst>
+          </p:cNvPr>
+          <p:cNvSpPr txBox="1"/>
+          <p:nvPr/>
+        </p:nvSpPr>
+        <p:spPr>
+          <a:xfrm>
+            <a:off x="365760" y="2999232"/>
+            <a:ext cx="2139696" cy="369332"/>
+          </a:xfrm>
+          <a:prstGeom prst="rect">
+            <a:avLst/>
+          </a:prstGeom>
+          <a:noFill/>
+          <a:ln>
+            <a:solidFill>
+              <a:schemeClr val="accent5">
+                <a:lumMod val="60000"/>
+                <a:lumOff val="40000"/>
+              </a:schemeClr>
+            </a:solidFill>
+          </a:ln>
+        </p:spPr>
+        <p:txBody>
+          <a:bodyPr wrap="square" rtlCol="0">
+            <a:spAutoFit/>
+          </a:bodyPr>
+          <a:lstStyle/>
+          <a:p>
+            <a:r>
+              <a:rPr lang="en-GB" dirty="0"/>
+              <a:t>XAML source</a:t>
+            </a:r>
+          </a:p>
+        </p:txBody>
+      </p:sp>
+      <p:cxnSp>
+        <p:nvCxnSpPr>
+          <p:cNvPr id="17" name="Straight Arrow Connector 16">
+            <a:extLst>
+              <a:ext uri="{FF2B5EF4-FFF2-40B4-BE49-F238E27FC236}">
+                <a16:creationId xmlns:a16="http://schemas.microsoft.com/office/drawing/2014/main" id="{F5823591-FB49-EC17-0D1C-25DC3D68539E}"/>
+              </a:ext>
+            </a:extLst>
+          </p:cNvPr>
+          <p:cNvCxnSpPr>
+            <a:cxnSpLocks/>
+            <a:stCxn id="11" idx="3"/>
+            <a:endCxn id="3" idx="1"/>
+          </p:cNvCxnSpPr>
+          <p:nvPr/>
+        </p:nvCxnSpPr>
+        <p:spPr>
+          <a:xfrm flipV="1">
+            <a:off x="2505456" y="3025088"/>
+            <a:ext cx="878767" cy="158810"/>
+          </a:xfrm>
+          <a:prstGeom prst="straightConnector1">
+            <a:avLst/>
+          </a:prstGeom>
+          <a:ln>
+            <a:tailEnd type="triangle"/>
+          </a:ln>
+        </p:spPr>
+        <p:style>
+          <a:lnRef idx="2">
+            <a:schemeClr val="accent1"/>
+          </a:lnRef>
+          <a:fillRef idx="0">
+            <a:schemeClr val="accent1"/>
+          </a:fillRef>
+          <a:effectRef idx="1">
+            <a:schemeClr val="accent1"/>
+          </a:effectRef>
+          <a:fontRef idx="minor">
+            <a:schemeClr val="tx1"/>
+          </a:fontRef>
+        </p:style>
+      </p:cxnSp>
+      <p:cxnSp>
+        <p:nvCxnSpPr>
+          <p:cNvPr id="24" name="Connector: Elbow 23">
+            <a:extLst>
+              <a:ext uri="{FF2B5EF4-FFF2-40B4-BE49-F238E27FC236}">
+                <a16:creationId xmlns:a16="http://schemas.microsoft.com/office/drawing/2014/main" id="{AC9DC32C-7A7B-9156-6018-F43BCA4BB839}"/>
+              </a:ext>
+            </a:extLst>
+          </p:cNvPr>
+          <p:cNvCxnSpPr>
+            <a:cxnSpLocks/>
+            <a:stCxn id="11" idx="2"/>
+            <a:endCxn id="2" idx="1"/>
+          </p:cNvCxnSpPr>
+          <p:nvPr/>
+        </p:nvCxnSpPr>
+        <p:spPr>
+          <a:xfrm rot="16200000" flipH="1">
+            <a:off x="1117303" y="3686869"/>
+            <a:ext cx="1846518" cy="1209908"/>
+          </a:xfrm>
+          <a:prstGeom prst="bentConnector2">
+            <a:avLst/>
+          </a:prstGeom>
+          <a:ln>
+            <a:tailEnd type="triangle"/>
+          </a:ln>
+        </p:spPr>
+        <p:style>
+          <a:lnRef idx="2">
+            <a:schemeClr val="accent1"/>
+          </a:lnRef>
+          <a:fillRef idx="0">
+            <a:schemeClr val="accent1"/>
+          </a:fillRef>
+          <a:effectRef idx="1">
+            <a:schemeClr val="accent1"/>
+          </a:effectRef>
+          <a:fontRef idx="minor">
+            <a:schemeClr val="tx1"/>
+          </a:fontRef>
+        </p:style>
+      </p:cxnSp>
+      <p:sp>
+        <p:nvSpPr>
+          <p:cNvPr id="26" name="TextBox 25">
+            <a:extLst>
+              <a:ext uri="{FF2B5EF4-FFF2-40B4-BE49-F238E27FC236}">
+                <a16:creationId xmlns:a16="http://schemas.microsoft.com/office/drawing/2014/main" id="{BF6BAD0D-B6F6-4153-9064-874C4947D5EC}"/>
+              </a:ext>
+            </a:extLst>
+          </p:cNvPr>
+          <p:cNvSpPr txBox="1"/>
+          <p:nvPr/>
+        </p:nvSpPr>
+        <p:spPr>
+          <a:xfrm>
+            <a:off x="923826" y="3752506"/>
+            <a:ext cx="1721690" cy="369332"/>
+          </a:xfrm>
+          <a:prstGeom prst="rect">
+            <a:avLst/>
+          </a:prstGeom>
+          <a:noFill/>
+        </p:spPr>
+        <p:txBody>
+          <a:bodyPr wrap="none" rtlCol="0">
+            <a:spAutoFit/>
+          </a:bodyPr>
+          <a:lstStyle/>
+          <a:p>
+            <a:r>
+              <a:rPr lang="en-GB" dirty="0"/>
+              <a:t>XAML Compiler</a:t>
+            </a:r>
+          </a:p>
+        </p:txBody>
+      </p:sp>
+      <p:sp>
+        <p:nvSpPr>
+          <p:cNvPr id="31" name="TextBox 30">
+            <a:extLst>
+              <a:ext uri="{FF2B5EF4-FFF2-40B4-BE49-F238E27FC236}">
+                <a16:creationId xmlns:a16="http://schemas.microsoft.com/office/drawing/2014/main" id="{D31E11BA-064A-AE88-44DD-7CEFF742239A}"/>
+              </a:ext>
+            </a:extLst>
+          </p:cNvPr>
+          <p:cNvSpPr txBox="1"/>
+          <p:nvPr/>
+        </p:nvSpPr>
+        <p:spPr>
+          <a:xfrm>
+            <a:off x="6476214" y="4891916"/>
+            <a:ext cx="1727204" cy="646331"/>
+          </a:xfrm>
+          <a:prstGeom prst="rect">
+            <a:avLst/>
+          </a:prstGeom>
+          <a:noFill/>
+        </p:spPr>
+        <p:txBody>
+          <a:bodyPr wrap="none" rtlCol="0">
+            <a:spAutoFit/>
+          </a:bodyPr>
+          <a:lstStyle/>
+          <a:p>
+            <a:r>
+              <a:rPr lang="en-GB" dirty="0"/>
+              <a:t>IDE </a:t>
+            </a:r>
+            <a:r>
+              <a:rPr lang="en-GB" dirty="0" err="1"/>
+              <a:t>Intellisense</a:t>
+            </a:r>
+            <a:endParaRPr lang="en-GB" dirty="0"/>
+          </a:p>
+          <a:p>
+            <a:r>
+              <a:rPr lang="en-GB" dirty="0"/>
+              <a:t>support</a:t>
+            </a:r>
+          </a:p>
+        </p:txBody>
+      </p:sp>
+      <p:cxnSp>
+        <p:nvCxnSpPr>
+          <p:cNvPr id="33" name="Straight Arrow Connector 32">
+            <a:extLst>
+              <a:ext uri="{FF2B5EF4-FFF2-40B4-BE49-F238E27FC236}">
+                <a16:creationId xmlns:a16="http://schemas.microsoft.com/office/drawing/2014/main" id="{41649EE3-CC28-6E24-579C-6131BB83D5F8}"/>
+              </a:ext>
+            </a:extLst>
+          </p:cNvPr>
+          <p:cNvCxnSpPr>
+            <a:cxnSpLocks/>
+            <a:stCxn id="4" idx="2"/>
+            <a:endCxn id="31" idx="1"/>
+          </p:cNvCxnSpPr>
+          <p:nvPr/>
+        </p:nvCxnSpPr>
+        <p:spPr>
+          <a:xfrm>
+            <a:off x="1970202" y="1085769"/>
+            <a:ext cx="4506012" cy="4129313"/>
+          </a:xfrm>
+          <a:prstGeom prst="straightConnector1">
+            <a:avLst/>
+          </a:prstGeom>
+          <a:ln w="12700">
+            <a:prstDash val="dash"/>
+            <a:tailEnd type="triangle"/>
+          </a:ln>
+        </p:spPr>
+        <p:style>
+          <a:lnRef idx="2">
+            <a:schemeClr val="accent1"/>
+          </a:lnRef>
+          <a:fillRef idx="0">
+            <a:schemeClr val="accent1"/>
+          </a:fillRef>
+          <a:effectRef idx="1">
+            <a:schemeClr val="accent1"/>
+          </a:effectRef>
+          <a:fontRef idx="minor">
+            <a:schemeClr val="tx1"/>
+          </a:fontRef>
+        </p:style>
+      </p:cxnSp>
+      <p:cxnSp>
+        <p:nvCxnSpPr>
+          <p:cNvPr id="35" name="Straight Arrow Connector 34">
+            <a:extLst>
+              <a:ext uri="{FF2B5EF4-FFF2-40B4-BE49-F238E27FC236}">
+                <a16:creationId xmlns:a16="http://schemas.microsoft.com/office/drawing/2014/main" id="{B4A43F1D-82D5-1786-20E1-3A8E412D9CB7}"/>
+              </a:ext>
+            </a:extLst>
+          </p:cNvPr>
+          <p:cNvCxnSpPr>
+            <a:cxnSpLocks/>
+            <a:stCxn id="16" idx="2"/>
+            <a:endCxn id="31" idx="1"/>
+          </p:cNvCxnSpPr>
+          <p:nvPr/>
+        </p:nvCxnSpPr>
+        <p:spPr>
+          <a:xfrm>
+            <a:off x="1847653" y="2647441"/>
+            <a:ext cx="4628561" cy="2567641"/>
+          </a:xfrm>
+          <a:prstGeom prst="straightConnector1">
+            <a:avLst/>
+          </a:prstGeom>
+          <a:ln w="12700">
+            <a:prstDash val="dash"/>
+            <a:tailEnd type="triangle"/>
+          </a:ln>
+        </p:spPr>
+        <p:style>
+          <a:lnRef idx="2">
+            <a:schemeClr val="accent1"/>
+          </a:lnRef>
+          <a:fillRef idx="0">
+            <a:schemeClr val="accent1"/>
+          </a:fillRef>
+          <a:effectRef idx="1">
+            <a:schemeClr val="accent1"/>
+          </a:effectRef>
+          <a:fontRef idx="minor">
+            <a:schemeClr val="tx1"/>
+          </a:fontRef>
+        </p:style>
+      </p:cxnSp>
+      <p:cxnSp>
+        <p:nvCxnSpPr>
+          <p:cNvPr id="38" name="Straight Arrow Connector 37">
+            <a:extLst>
+              <a:ext uri="{FF2B5EF4-FFF2-40B4-BE49-F238E27FC236}">
+                <a16:creationId xmlns:a16="http://schemas.microsoft.com/office/drawing/2014/main" id="{49DDC918-7909-5E42-A141-360A24BF5A3D}"/>
+              </a:ext>
+            </a:extLst>
+          </p:cNvPr>
+          <p:cNvCxnSpPr>
+            <a:cxnSpLocks/>
+            <a:stCxn id="2" idx="3"/>
+            <a:endCxn id="31" idx="1"/>
+          </p:cNvCxnSpPr>
+          <p:nvPr/>
+        </p:nvCxnSpPr>
+        <p:spPr>
+          <a:xfrm>
+            <a:off x="4493170" y="5215082"/>
+            <a:ext cx="1983044" cy="0"/>
+          </a:xfrm>
+          <a:prstGeom prst="straightConnector1">
+            <a:avLst/>
+          </a:prstGeom>
+          <a:ln w="12700">
+            <a:prstDash val="dash"/>
+            <a:tailEnd type="triangle"/>
+          </a:ln>
+        </p:spPr>
+        <p:style>
+          <a:lnRef idx="2">
+            <a:schemeClr val="accent1"/>
+          </a:lnRef>
+          <a:fillRef idx="0">
+            <a:schemeClr val="accent1"/>
+          </a:fillRef>
+          <a:effectRef idx="1">
+            <a:schemeClr val="accent1"/>
+          </a:effectRef>
+          <a:fontRef idx="minor">
+            <a:schemeClr val="tx1"/>
+          </a:fontRef>
+        </p:style>
+      </p:cxnSp>
+      <p:sp>
+        <p:nvSpPr>
+          <p:cNvPr id="41" name="TextBox 40">
+            <a:extLst>
+              <a:ext uri="{FF2B5EF4-FFF2-40B4-BE49-F238E27FC236}">
+                <a16:creationId xmlns:a16="http://schemas.microsoft.com/office/drawing/2014/main" id="{BBE29AB4-903D-FBBA-F01F-FB57F3E5F475}"/>
+              </a:ext>
+            </a:extLst>
+          </p:cNvPr>
+          <p:cNvSpPr txBox="1"/>
+          <p:nvPr/>
+        </p:nvSpPr>
+        <p:spPr>
+          <a:xfrm>
+            <a:off x="3384223" y="5863472"/>
+            <a:ext cx="2375554" cy="377071"/>
+          </a:xfrm>
+          <a:prstGeom prst="rect">
+            <a:avLst/>
+          </a:prstGeom>
+        </p:spPr>
+        <p:style>
+          <a:lnRef idx="2">
+            <a:schemeClr val="accent1">
+              <a:shade val="15000"/>
+            </a:schemeClr>
+          </a:lnRef>
+          <a:fillRef idx="1">
+            <a:schemeClr val="accent1"/>
+          </a:fillRef>
+          <a:effectRef idx="0">
+            <a:schemeClr val="accent1"/>
+          </a:effectRef>
+          <a:fontRef idx="minor">
+            <a:schemeClr val="lt1"/>
+          </a:fontRef>
+        </p:style>
+        <p:txBody>
+          <a:bodyPr wrap="square" rtlCol="0">
+            <a:spAutoFit/>
+          </a:bodyPr>
+          <a:lstStyle/>
+          <a:p>
+            <a:r>
+              <a:rPr lang="en-GB" dirty="0"/>
+              <a:t>Build System for WPF</a:t>
+            </a:r>
+          </a:p>
+        </p:txBody>
+      </p:sp>
+    </p:spTree>
+    <p:extLst>
+      <p:ext uri="{BB962C8B-B14F-4D97-AF65-F5344CB8AC3E}">
+        <p14:creationId xmlns:p14="http://schemas.microsoft.com/office/powerpoint/2010/main" val="3719819588"/>
       </p:ext>
     </p:extLst>
   </p:cSld>
